--- a/Comunicación/6)Ultima actividad/Escritura.pptx
+++ b/Comunicación/6)Ultima actividad/Escritura.pptx
@@ -2154,7 +2154,7 @@
           </a:ln>
           <a:extLst>
             <a:ext uri="{C572A759-6A51-4108-AA02-DFA0A04FC94B}">
-              <ma14:wrappingTextBoxFlag xmlns="" xmlns:ma14="http://schemas.microsoft.com/office/mac/drawingml/2011/main" val="1"/>
+              <ma14:wrappingTextBoxFlag xmlns:ma14="http://schemas.microsoft.com/office/mac/drawingml/2011/main" xmlns="" val="1"/>
             </a:ext>
           </a:extLst>
         </p:spPr>
@@ -2217,7 +2217,7 @@
           </a:ln>
           <a:extLst>
             <a:ext uri="{C572A759-6A51-4108-AA02-DFA0A04FC94B}">
-              <ma14:wrappingTextBoxFlag xmlns="" xmlns:ma14="http://schemas.microsoft.com/office/mac/drawingml/2011/main" val="1"/>
+              <ma14:wrappingTextBoxFlag xmlns:ma14="http://schemas.microsoft.com/office/mac/drawingml/2011/main" xmlns="" val="1"/>
             </a:ext>
           </a:extLst>
         </p:spPr>
@@ -3374,7 +3374,7 @@
         </p:blipFill>
         <p:spPr bwMode="auto">
           <a:xfrm>
-            <a:off x="13317378" y="3878469"/>
+            <a:off x="13664278" y="3774256"/>
             <a:ext cx="9115901" cy="8199487"/>
           </a:xfrm>
           <a:prstGeom prst="rect">
@@ -3536,7 +3536,7 @@
         <p:spPr>
           <a:xfrm>
             <a:off x="4833937" y="6531430"/>
-            <a:ext cx="14716126" cy="5029200"/>
+            <a:ext cx="14716126" cy="3165020"/>
           </a:xfrm>
         </p:spPr>
         <p:txBody>
@@ -3553,7 +3553,7 @@
                 <a:effectLst/>
                 <a:latin typeface="Söhne"/>
               </a:rPr>
-              <a:t>"Ni ser lento en la escuela, ni ser rechazado por los expertos, son barreras para alcanzar la grandeza. Como dijo Einstein, el camino hacia el éxito está plagado de obstáculos, pero solo aquellos que perseveran logran superarlos."</a:t>
+              <a:t>“El camino hacia el éxito está plagado de obstáculos, pero solo aquellos que perseveran logran superarlos."</a:t>
             </a:r>
             <a:endParaRPr lang="es-CO" dirty="0"/>
           </a:p>
@@ -3588,8 +3588,8 @@
           <a:lstStyle/>
           <a:p>
             <a:r>
-              <a:rPr lang="es-MX" dirty="0" err="1"/>
-              <a:t>Refran</a:t>
+              <a:rPr lang="es-MX" dirty="0"/>
+              <a:t>Refrán</a:t>
             </a:r>
             <a:endParaRPr lang="es-CO" dirty="0"/>
           </a:p>
@@ -4195,7 +4195,7 @@
           <a:p>
             <a:r>
               <a:rPr lang="es-MX" dirty="0"/>
-              <a:t>Cuento Corto</a:t>
+              <a:t>El día de Sofia</a:t>
             </a:r>
             <a:endParaRPr lang="es-CO" dirty="0"/>
           </a:p>
@@ -4656,61 +4656,7 @@
                 </a:solidFill>
                 <a:latin typeface="Arial Black" panose="020B0A04020102020204" pitchFamily="34" charset="0"/>
               </a:rPr>
-              <a:t>¡No te arranques los ojos todavía! Estos </a:t>
-            </a:r>
-            <a:r>
-              <a:rPr lang="es-CO" sz="5400" dirty="0" err="1">
-                <a:solidFill>
-                  <a:schemeClr val="bg1"/>
-                </a:solidFill>
-                <a:latin typeface="Arial Black" panose="020B0A04020102020204" pitchFamily="34" charset="0"/>
-              </a:rPr>
-              <a:t>uebos</a:t>
-            </a:r>
-            <a:r>
-              <a:rPr lang="es-CO" sz="5400" dirty="0">
-                <a:solidFill>
-                  <a:schemeClr val="bg1"/>
-                </a:solidFill>
-                <a:latin typeface="Arial Black" panose="020B0A04020102020204" pitchFamily="34" charset="0"/>
-              </a:rPr>
-              <a:t> no son los que estás pensando, aunque sí son los de la expresión “¡Manda </a:t>
-            </a:r>
-            <a:r>
-              <a:rPr lang="es-CO" sz="5400" dirty="0" err="1">
-                <a:solidFill>
-                  <a:schemeClr val="bg1"/>
-                </a:solidFill>
-                <a:latin typeface="Arial Black" panose="020B0A04020102020204" pitchFamily="34" charset="0"/>
-              </a:rPr>
-              <a:t>uebos</a:t>
-            </a:r>
-            <a:r>
-              <a:rPr lang="es-CO" sz="5400" dirty="0">
-                <a:solidFill>
-                  <a:schemeClr val="bg1"/>
-                </a:solidFill>
-                <a:latin typeface="Arial Black" panose="020B0A04020102020204" pitchFamily="34" charset="0"/>
-              </a:rPr>
-              <a:t>!” que escribes con hache y con uve tan seguro de ti mismo y que has incluso hecho evolucionar hasta “¡Manda cojones!”. ¡Mal! </a:t>
-            </a:r>
-            <a:r>
-              <a:rPr lang="es-CO" sz="5400" dirty="0" err="1">
-                <a:solidFill>
-                  <a:schemeClr val="bg1"/>
-                </a:solidFill>
-                <a:latin typeface="Arial Black" panose="020B0A04020102020204" pitchFamily="34" charset="0"/>
-              </a:rPr>
-              <a:t>Uebos</a:t>
-            </a:r>
-            <a:r>
-              <a:rPr lang="es-CO" sz="5400" dirty="0">
-                <a:solidFill>
-                  <a:schemeClr val="bg1"/>
-                </a:solidFill>
-                <a:latin typeface="Arial Black" panose="020B0A04020102020204" pitchFamily="34" charset="0"/>
-              </a:rPr>
-              <a:t> (o </a:t>
+              <a:t>¡No te arranques los ojos todavía! Estos uebos no son los que estás pensando, aunque sí son los de la expresión “¡Manda uebos!” que escribes con hache y con uve tan seguro de ti mismo y que has incluso hecho evolucionar hasta “¡Manda cojones!”. ¡Mal! Uebos (o </a:t>
             </a:r>
             <a:r>
               <a:rPr lang="es-CO" sz="5400" dirty="0" err="1">
@@ -4728,25 +4674,7 @@
                 </a:solidFill>
                 <a:latin typeface="Arial Black" panose="020B0A04020102020204" pitchFamily="34" charset="0"/>
               </a:rPr>
-              <a:t>, que también existió) viene del latín Opus y significa trabajo o necesidad. “¡Manda </a:t>
-            </a:r>
-            <a:r>
-              <a:rPr lang="es-CO" sz="5400" dirty="0" err="1">
-                <a:solidFill>
-                  <a:schemeClr val="bg1"/>
-                </a:solidFill>
-                <a:latin typeface="Arial Black" panose="020B0A04020102020204" pitchFamily="34" charset="0"/>
-              </a:rPr>
-              <a:t>uebos</a:t>
-            </a:r>
-            <a:r>
-              <a:rPr lang="es-CO" sz="5400" dirty="0">
-                <a:solidFill>
-                  <a:schemeClr val="bg1"/>
-                </a:solidFill>
-                <a:latin typeface="Arial Black" panose="020B0A04020102020204" pitchFamily="34" charset="0"/>
-              </a:rPr>
-              <a:t>!” lo decían ya los romanos en su versión latina “</a:t>
+              <a:t>, que también existió) viene del latín Opus y significa trabajo o necesidad. “¡Manda uebos!” lo decían ya los romanos en su versión latina “</a:t>
             </a:r>
             <a:r>
               <a:rPr lang="es-CO" sz="5400" dirty="0" err="1">
@@ -4797,25 +4725,7 @@
                 </a:solidFill>
                 <a:latin typeface="Arial Black" panose="020B0A04020102020204" pitchFamily="34" charset="0"/>
               </a:rPr>
-              <a:t>“</a:t>
-            </a:r>
-            <a:r>
-              <a:rPr lang="es-CO" sz="9600" dirty="0" err="1">
-                <a:solidFill>
-                  <a:schemeClr val="bg1"/>
-                </a:solidFill>
-                <a:latin typeface="Arial Black" panose="020B0A04020102020204" pitchFamily="34" charset="0"/>
-              </a:rPr>
-              <a:t>Uebos</a:t>
-            </a:r>
-            <a:r>
-              <a:rPr lang="es-CO" sz="9600" dirty="0">
-                <a:solidFill>
-                  <a:schemeClr val="bg1"/>
-                </a:solidFill>
-                <a:latin typeface="Arial Black" panose="020B0A04020102020204" pitchFamily="34" charset="0"/>
-              </a:rPr>
-              <a:t>”</a:t>
+              <a:t>“Uebos”</a:t>
             </a:r>
             <a:endParaRPr lang="es-CO" sz="9600" dirty="0">
               <a:solidFill>
@@ -5003,7 +4913,15 @@
           </p:nvPr>
         </p:nvPicPr>
         <p:blipFill>
-          <a:blip r:embed="rId5"/>
+          <a:blip r:embed="rId5">
+            <a:duotone>
+              <a:prstClr val="black"/>
+              <a:schemeClr val="accent6">
+                <a:tint val="45000"/>
+                <a:satMod val="400000"/>
+              </a:schemeClr>
+            </a:duotone>
+          </a:blip>
           <a:stretch>
             <a:fillRect/>
           </a:stretch>
@@ -5352,14 +5270,21 @@
         </p:spPr>
         <p:txBody>
           <a:bodyPr>
-            <a:normAutofit/>
+            <a:normAutofit lnSpcReduction="10000"/>
           </a:bodyPr>
           <a:lstStyle/>
           <a:p>
             <a:pPr algn="just"/>
             <a:r>
               <a:rPr lang="es-MX" sz="4400" dirty="0"/>
-              <a:t>Un extraño incidente que tuvo lugar en el barrio donde vive la joven Mafalda. </a:t>
+              <a:t>Joven se desmaya porque le cayo una hoja en la cabeza:</a:t>
+            </a:r>
+          </a:p>
+          <a:p>
+            <a:pPr algn="just"/>
+            <a:r>
+              <a:rPr lang="es-MX" sz="4400" dirty="0"/>
+              <a:t>Un extraño incidente que tuvo lugar en el barrio Tintal donde vive la joven Mafalda, su amiga se desmayo porque le cayo una hoja en la cabeza. </a:t>
             </a:r>
           </a:p>
           <a:p>
@@ -5370,7 +5295,7 @@
             <a:pPr algn="just"/>
             <a:r>
               <a:rPr lang="es-MX" sz="4400" dirty="0"/>
-              <a:t>Se entrevisto a la joven y conto los hechos ocurridos, ella se encontraba en el parque junto a su amiga Susanita, en un momento Mafalda tiene una duda existencial, después de pensar en su idea procede a hacerle la pregunta a su amiga Susanita, la pregunta es relacionada con los ovnis y esta le pregunta textualmente:  </a:t>
+              <a:t>Se entrevisto a la joven Mafalda y conto los hechos ocurridos, ella se encontraba en el parque junto a su amiga Susanita, en un momento Mafalda tiene una duda existencial, después de pensar en su idea procede a hacerle la pregunta a su amiga Susanita, la pregunta es relacionada con los ovnis y esta le pregunta textualmente:  </a:t>
             </a:r>
           </a:p>
           <a:p>
@@ -5388,7 +5313,7 @@
             <a:pPr algn="just"/>
             <a:r>
               <a:rPr lang="es-MX" sz="4400" dirty="0"/>
-              <a:t>“¿Qué harías si eres de otro planeta bajaran e intentaran llevarnos a su mundo?” </a:t>
+              <a:t>“¿Qué harías si seres de otro planeta bajaran e intentaran llevarnos a su mundo?” </a:t>
             </a:r>
           </a:p>
           <a:p>

--- a/Comunicación/6)Ultima actividad/Escritura.pptx
+++ b/Comunicación/6)Ultima actividad/Escritura.pptx
@@ -2154,7 +2154,7 @@
           </a:ln>
           <a:extLst>
             <a:ext uri="{C572A759-6A51-4108-AA02-DFA0A04FC94B}">
-              <ma14:wrappingTextBoxFlag xmlns:ma14="http://schemas.microsoft.com/office/mac/drawingml/2011/main" xmlns="" val="1"/>
+              <ma14:wrappingTextBoxFlag xmlns="" xmlns:ma14="http://schemas.microsoft.com/office/mac/drawingml/2011/main" val="1"/>
             </a:ext>
           </a:extLst>
         </p:spPr>
@@ -2217,7 +2217,7 @@
           </a:ln>
           <a:extLst>
             <a:ext uri="{C572A759-6A51-4108-AA02-DFA0A04FC94B}">
-              <ma14:wrappingTextBoxFlag xmlns:ma14="http://schemas.microsoft.com/office/mac/drawingml/2011/main" xmlns="" val="1"/>
+              <ma14:wrappingTextBoxFlag xmlns="" xmlns:ma14="http://schemas.microsoft.com/office/mac/drawingml/2011/main" val="1"/>
             </a:ext>
           </a:extLst>
         </p:spPr>
@@ -5277,14 +5277,7 @@
             <a:pPr algn="just"/>
             <a:r>
               <a:rPr lang="es-MX" sz="4400" dirty="0"/>
-              <a:t>Joven se desmaya porque le cayo una hoja en la cabeza:</a:t>
-            </a:r>
-          </a:p>
-          <a:p>
-            <a:pPr algn="just"/>
-            <a:r>
-              <a:rPr lang="es-MX" sz="4400" dirty="0"/>
-              <a:t>Un extraño incidente que tuvo lugar en el barrio Tintal donde vive la joven Mafalda, su amiga se desmayo porque le cayo una hoja en la cabeza. </a:t>
+              <a:t>Una joven del barrio Tintal vivió un extraño incidente que la dejó desconcertada y con un poco de vergüenza. Mafalda se encontraba en el parque junto a su amiga Susanita cuando tuvo una duda existencial relacionada con los ovnis. Sin embargo, la respuesta de su amiga provocó una reacción inesperada.</a:t>
             </a:r>
           </a:p>
           <a:p>
@@ -5295,7 +5288,7 @@
             <a:pPr algn="just"/>
             <a:r>
               <a:rPr lang="es-MX" sz="4400" dirty="0"/>
-              <a:t>Se entrevisto a la joven Mafalda y conto los hechos ocurridos, ella se encontraba en el parque junto a su amiga Susanita, en un momento Mafalda tiene una duda existencial, después de pensar en su idea procede a hacerle la pregunta a su amiga Susanita, la pregunta es relacionada con los ovnis y esta le pregunta textualmente:  </a:t>
+              <a:t>Cuando Mafalda le preguntó qué haría si apareciera un platillo volador y seres de otro planeta intentaran llevarlas a su mundo, Susanita respondió con incredulidad: “No haría nada, porque no creo que nadie viva en otro planeta, ni que nadie baje para llevarnos a ningún mundo, ni creo nada de esas estupideces”.</a:t>
             </a:r>
           </a:p>
           <a:p>
@@ -5306,14 +5299,7 @@
             <a:pPr algn="just"/>
             <a:r>
               <a:rPr lang="es-MX" sz="4400" dirty="0"/>
-              <a:t>“¿Qué harías si de pronto apareciera un plato volador?” </a:t>
-            </a:r>
-          </a:p>
-          <a:p>
-            <a:pPr algn="just"/>
-            <a:r>
-              <a:rPr lang="es-MX" sz="4400" dirty="0"/>
-              <a:t>“¿Qué harías si seres de otro planeta bajaran e intentaran llevarnos a su mundo?” </a:t>
+              <a:t>En ese momento, una hoja de un árbol cayó sobre la cabeza de Susanita, causando un impacto tan fuerte que perdió el conocimiento. Mafalda, asustada, intentó ayudar a su amiga y llamó a los servicios de emergencia.</a:t>
             </a:r>
           </a:p>
           <a:p>
@@ -5324,29 +5310,7 @@
             <a:pPr algn="just"/>
             <a:r>
               <a:rPr lang="es-MX" sz="4400" dirty="0"/>
-              <a:t>A lo cual su compañera Susanita le responde lo siguiente:</a:t>
-            </a:r>
-          </a:p>
-          <a:p>
-            <a:pPr algn="just"/>
-            <a:endParaRPr lang="es-MX" sz="4400" dirty="0"/>
-          </a:p>
-          <a:p>
-            <a:pPr algn="just"/>
-            <a:r>
-              <a:rPr lang="es-MX" sz="4400" dirty="0"/>
-              <a:t> “¡No haría nada! ¡Porque no creo que nadie viva en otro planeta, ni que nadie baje para llevarnos a ningún mundo, ni creo nada de esas estupideces!” </a:t>
-            </a:r>
-          </a:p>
-          <a:p>
-            <a:pPr algn="just"/>
-            <a:endParaRPr lang="es-MX" sz="4400" dirty="0"/>
-          </a:p>
-          <a:p>
-            <a:pPr algn="just"/>
-            <a:r>
-              <a:rPr lang="es-MX" sz="4400" dirty="0"/>
-              <a:t>Después de decir esa frase, Susanita en este caso la afectada le cae una hoja de un árbol y fue tanto el impacto para ella que se desmayo, ella pensó que era un ser de otro planeta, por lo que estaría en duda la creencia de ella.</a:t>
+              <a:t>Finalmente, la joven Susanita se recuperó y los médicos explicaron que el desmayo fue producto de la conmoción del impacto de la hoja en su cabeza, y no de sus creencias sobre los ovnis. Mafalda, aliviada de que su amiga estuviera bien, reflexionó sobre la importancia de respetar las creencias de los demás y de ser cuidadosos con las palabras que elegimos para expresarnos.</a:t>
             </a:r>
             <a:endParaRPr lang="es-CO" sz="4400" dirty="0"/>
           </a:p>
